--- a/ref/figures.pptx
+++ b/ref/figures.pptx
@@ -5,15 +5,16 @@
     <p:sldMasterId id="2147483648" r:id="rId1"/>
   </p:sldMasterIdLst>
   <p:notesMasterIdLst>
-    <p:notesMasterId r:id="rId6"/>
+    <p:notesMasterId r:id="rId7"/>
   </p:notesMasterIdLst>
   <p:handoutMasterIdLst>
-    <p:handoutMasterId r:id="rId7"/>
+    <p:handoutMasterId r:id="rId8"/>
   </p:handoutMasterIdLst>
   <p:sldIdLst>
     <p:sldId id="256" r:id="rId3"/>
     <p:sldId id="257" r:id="rId4"/>
     <p:sldId id="258" r:id="rId5"/>
+    <p:sldId id="260" r:id="rId6"/>
   </p:sldIdLst>
   <p:sldSz cx="12192000" cy="6858000"/>
   <p:notesSz cx="7103745" cy="10234295"/>
@@ -7091,21 +7092,7 @@
                 <a:latin typeface="Times New Roman" panose="02020603050405020304" charset="0"/>
                 <a:cs typeface="Times New Roman" panose="02020603050405020304" charset="0"/>
               </a:rPr>
-              <a:t>Capacity = </a:t>
-            </a:r>
-            <a:r>
-              <a:rPr lang="" altLang="en-US" sz="1000">
-                <a:latin typeface="Times New Roman" panose="02020603050405020304" charset="0"/>
-                <a:cs typeface="Times New Roman" panose="02020603050405020304" charset="0"/>
-              </a:rPr>
-              <a:t>3</a:t>
-            </a:r>
-            <a:r>
-              <a:rPr lang="en-US" altLang="en-US" sz="1000">
-                <a:latin typeface="Times New Roman" panose="02020603050405020304" charset="0"/>
-                <a:cs typeface="Times New Roman" panose="02020603050405020304" charset="0"/>
-              </a:rPr>
-              <a:t> types</a:t>
+              <a:t>Capacity = 3 types</a:t>
             </a:r>
             <a:endParaRPr lang="en-US" altLang="en-US" sz="1000">
               <a:latin typeface="Times New Roman" panose="02020603050405020304" charset="0"/>
@@ -9745,21 +9732,7 @@
                 <a:latin typeface="Times New Roman" panose="02020603050405020304" charset="0"/>
                 <a:cs typeface="Times New Roman" panose="02020603050405020304" charset="0"/>
               </a:rPr>
-              <a:t>Capacity = </a:t>
-            </a:r>
-            <a:r>
-              <a:rPr lang="" altLang="en-US" sz="1000">
-                <a:latin typeface="Times New Roman" panose="02020603050405020304" charset="0"/>
-                <a:cs typeface="Times New Roman" panose="02020603050405020304" charset="0"/>
-              </a:rPr>
-              <a:t>3</a:t>
-            </a:r>
-            <a:r>
-              <a:rPr lang="en-US" altLang="en-US" sz="1000">
-                <a:latin typeface="Times New Roman" panose="02020603050405020304" charset="0"/>
-                <a:cs typeface="Times New Roman" panose="02020603050405020304" charset="0"/>
-              </a:rPr>
-              <a:t> types</a:t>
+              <a:t>Capacity = 3 types</a:t>
             </a:r>
             <a:endParaRPr lang="en-US" altLang="en-US" sz="1000">
               <a:latin typeface="Times New Roman" panose="02020603050405020304" charset="0"/>
@@ -10900,13 +10873,13 @@
           </a:bodyPr>
           <a:p>
             <a:r>
-              <a:rPr lang="" altLang="en-US" sz="1000">
+              <a:rPr lang="en-US" altLang="en-US" sz="1000">
                 <a:latin typeface="Times New Roman" panose="02020603050405020304" charset="0"/>
                 <a:cs typeface="Times New Roman" panose="02020603050405020304" charset="0"/>
               </a:rPr>
               <a:t>Crossover</a:t>
             </a:r>
-            <a:endParaRPr lang="" altLang="en-US" sz="1000">
+            <a:endParaRPr lang="en-US" altLang="en-US" sz="1000">
               <a:latin typeface="Times New Roman" panose="02020603050405020304" charset="0"/>
               <a:cs typeface="Times New Roman" panose="02020603050405020304" charset="0"/>
             </a:endParaRPr>
@@ -12504,19 +12477,9 @@
                   <a:latin typeface="Times New Roman" panose="02020603050405020304" charset="0"/>
                   <a:cs typeface="Times New Roman" panose="02020603050405020304" charset="0"/>
                 </a:rPr>
-                <a:t>RGC</a:t>
+                <a:t>RGCs</a:t>
               </a:r>
-              <a:r>
-                <a:rPr lang="" altLang="en-US" sz="2400">
-                  <a:solidFill>
-                    <a:schemeClr val="tx1"/>
-                  </a:solidFill>
-                  <a:latin typeface="Times New Roman" panose="02020603050405020304" charset="0"/>
-                  <a:cs typeface="Times New Roman" panose="02020603050405020304" charset="0"/>
-                </a:rPr>
-                <a:t>s</a:t>
-              </a:r>
-              <a:endParaRPr lang="" altLang="en-US" sz="2400">
+              <a:endParaRPr lang="en-US" altLang="en-US" sz="2400">
                 <a:solidFill>
                   <a:schemeClr val="tx1"/>
                 </a:solidFill>
@@ -12603,7 +12566,7 @@
             <a:p>
               <a:pPr algn="ctr"/>
               <a:r>
-                <a:rPr lang="" altLang="en-US" sz="2400">
+                <a:rPr lang="en-US" altLang="en-US" sz="2400">
                   <a:solidFill>
                     <a:schemeClr val="tx1"/>
                   </a:solidFill>
@@ -12612,7 +12575,7 @@
                 </a:rPr>
                 <a:t>Linear Regression</a:t>
               </a:r>
-              <a:endParaRPr lang="" altLang="en-US" sz="2400">
+              <a:endParaRPr lang="en-US" altLang="en-US" sz="2400">
                 <a:solidFill>
                   <a:schemeClr val="tx1"/>
                 </a:solidFill>
@@ -12934,6 +12897,366 @@
 </file>
 
 <file path=ppt/slides/slide3.xml><?xml version="1.0" encoding="utf-8"?>
+<p:sld xmlns:a="http://schemas.openxmlformats.org/drawingml/2006/main" xmlns:r="http://schemas.openxmlformats.org/officeDocument/2006/relationships" xmlns:p="http://schemas.openxmlformats.org/presentationml/2006/main">
+  <p:cSld>
+    <p:spTree>
+      <p:nvGrpSpPr>
+        <p:cNvPr id="1" name=""/>
+        <p:cNvGrpSpPr/>
+        <p:nvPr/>
+      </p:nvGrpSpPr>
+      <p:grpSpPr/>
+      <p:pic>
+        <p:nvPicPr>
+          <p:cNvPr id="16" name="Picture 15" descr="8conn"/>
+          <p:cNvPicPr>
+            <a:picLocks noChangeAspect="1"/>
+          </p:cNvPicPr>
+          <p:nvPr/>
+        </p:nvPicPr>
+        <p:blipFill>
+          <a:blip r:embed="rId1"/>
+          <a:stretch>
+            <a:fillRect/>
+          </a:stretch>
+        </p:blipFill>
+        <p:spPr>
+          <a:xfrm>
+            <a:off x="5439410" y="478155"/>
+            <a:ext cx="3588279" cy="2560320"/>
+          </a:xfrm>
+          <a:prstGeom prst="rect">
+            <a:avLst/>
+          </a:prstGeom>
+        </p:spPr>
+      </p:pic>
+      <p:pic>
+        <p:nvPicPr>
+          <p:cNvPr id="22" name="Picture 21"/>
+          <p:cNvPicPr>
+            <a:picLocks noChangeAspect="1"/>
+          </p:cNvPicPr>
+          <p:nvPr/>
+        </p:nvPicPr>
+        <p:blipFill>
+          <a:blip r:embed="rId2"/>
+          <a:stretch>
+            <a:fillRect/>
+          </a:stretch>
+        </p:blipFill>
+        <p:spPr>
+          <a:xfrm>
+            <a:off x="9027795" y="873125"/>
+            <a:ext cx="454660" cy="1770380"/>
+          </a:xfrm>
+          <a:prstGeom prst="rect">
+            <a:avLst/>
+          </a:prstGeom>
+        </p:spPr>
+      </p:pic>
+      <p:pic>
+        <p:nvPicPr>
+          <p:cNvPr id="23" name="Picture 22" descr="0conn"/>
+          <p:cNvPicPr>
+            <a:picLocks noChangeAspect="1"/>
+          </p:cNvPicPr>
+          <p:nvPr/>
+        </p:nvPicPr>
+        <p:blipFill>
+          <a:blip r:embed="rId3"/>
+          <a:stretch>
+            <a:fillRect/>
+          </a:stretch>
+        </p:blipFill>
+        <p:spPr>
+          <a:xfrm>
+            <a:off x="641350" y="478155"/>
+            <a:ext cx="2068001" cy="2560320"/>
+          </a:xfrm>
+          <a:prstGeom prst="rect">
+            <a:avLst/>
+          </a:prstGeom>
+        </p:spPr>
+      </p:pic>
+      <p:pic>
+        <p:nvPicPr>
+          <p:cNvPr id="24" name="Picture 23" descr="1conn"/>
+          <p:cNvPicPr>
+            <a:picLocks noChangeAspect="1"/>
+          </p:cNvPicPr>
+          <p:nvPr/>
+        </p:nvPicPr>
+        <p:blipFill>
+          <a:blip r:embed="rId4"/>
+          <a:stretch>
+            <a:fillRect/>
+          </a:stretch>
+        </p:blipFill>
+        <p:spPr>
+          <a:xfrm>
+            <a:off x="2709545" y="478155"/>
+            <a:ext cx="2582566" cy="2560320"/>
+          </a:xfrm>
+          <a:prstGeom prst="rect">
+            <a:avLst/>
+          </a:prstGeom>
+        </p:spPr>
+      </p:pic>
+      <p:pic>
+        <p:nvPicPr>
+          <p:cNvPr id="25" name="Picture 24" descr="9conn"/>
+          <p:cNvPicPr>
+            <a:picLocks noChangeAspect="1"/>
+          </p:cNvPicPr>
+          <p:nvPr/>
+        </p:nvPicPr>
+        <p:blipFill>
+          <a:blip r:embed="rId5"/>
+          <a:stretch>
+            <a:fillRect/>
+          </a:stretch>
+        </p:blipFill>
+        <p:spPr>
+          <a:xfrm>
+            <a:off x="641350" y="3258820"/>
+            <a:ext cx="2068001" cy="2560320"/>
+          </a:xfrm>
+          <a:prstGeom prst="rect">
+            <a:avLst/>
+          </a:prstGeom>
+        </p:spPr>
+      </p:pic>
+      <p:pic>
+        <p:nvPicPr>
+          <p:cNvPr id="26" name="Picture 25" descr="trec"/>
+          <p:cNvPicPr>
+            <a:picLocks noChangeAspect="1"/>
+          </p:cNvPicPr>
+          <p:nvPr/>
+        </p:nvPicPr>
+        <p:blipFill>
+          <a:blip r:embed="rId6"/>
+          <a:stretch>
+            <a:fillRect/>
+          </a:stretch>
+        </p:blipFill>
+        <p:spPr>
+          <a:xfrm>
+            <a:off x="2840355" y="3517900"/>
+            <a:ext cx="3233207" cy="2194560"/>
+          </a:xfrm>
+          <a:prstGeom prst="rect">
+            <a:avLst/>
+          </a:prstGeom>
+        </p:spPr>
+      </p:pic>
+      <p:pic>
+        <p:nvPicPr>
+          <p:cNvPr id="27" name="Picture 26" descr="trgc"/>
+          <p:cNvPicPr>
+            <a:picLocks noChangeAspect="1"/>
+          </p:cNvPicPr>
+          <p:nvPr/>
+        </p:nvPicPr>
+        <p:blipFill>
+          <a:blip r:embed="rId7"/>
+          <a:stretch>
+            <a:fillRect/>
+          </a:stretch>
+        </p:blipFill>
+        <p:spPr>
+          <a:xfrm>
+            <a:off x="6240145" y="3517900"/>
+            <a:ext cx="3233207" cy="2194560"/>
+          </a:xfrm>
+          <a:prstGeom prst="rect">
+            <a:avLst/>
+          </a:prstGeom>
+        </p:spPr>
+      </p:pic>
+      <p:sp>
+        <p:nvSpPr>
+          <p:cNvPr id="28" name="Text Box 27"/>
+          <p:cNvSpPr txBox="1"/>
+          <p:nvPr/>
+        </p:nvSpPr>
+        <p:spPr>
+          <a:xfrm>
+            <a:off x="637540" y="279400"/>
+            <a:ext cx="301625" cy="306705"/>
+          </a:xfrm>
+          <a:prstGeom prst="rect">
+            <a:avLst/>
+          </a:prstGeom>
+          <a:noFill/>
+        </p:spPr>
+        <p:txBody>
+          <a:bodyPr wrap="none" rtlCol="0">
+            <a:spAutoFit/>
+          </a:bodyPr>
+          <a:p>
+            <a:r>
+              <a:rPr lang="" altLang="en-US" sz="1400"/>
+              <a:t>A</a:t>
+            </a:r>
+            <a:endParaRPr lang="" altLang="en-US" sz="1400"/>
+          </a:p>
+        </p:txBody>
+      </p:sp>
+      <p:sp>
+        <p:nvSpPr>
+          <p:cNvPr id="29" name="Text Box 28"/>
+          <p:cNvSpPr txBox="1"/>
+          <p:nvPr/>
+        </p:nvSpPr>
+        <p:spPr>
+          <a:xfrm>
+            <a:off x="2709545" y="279400"/>
+            <a:ext cx="301625" cy="306705"/>
+          </a:xfrm>
+          <a:prstGeom prst="rect">
+            <a:avLst/>
+          </a:prstGeom>
+          <a:noFill/>
+        </p:spPr>
+        <p:txBody>
+          <a:bodyPr wrap="none" rtlCol="0">
+            <a:spAutoFit/>
+          </a:bodyPr>
+          <a:p>
+            <a:r>
+              <a:rPr lang="" altLang="en-US" sz="1400"/>
+              <a:t>B</a:t>
+            </a:r>
+            <a:endParaRPr lang="" altLang="en-US" sz="1400"/>
+          </a:p>
+        </p:txBody>
+      </p:sp>
+      <p:sp>
+        <p:nvSpPr>
+          <p:cNvPr id="30" name="Text Box 29"/>
+          <p:cNvSpPr txBox="1"/>
+          <p:nvPr/>
+        </p:nvSpPr>
+        <p:spPr>
+          <a:xfrm>
+            <a:off x="5439410" y="279400"/>
+            <a:ext cx="311150" cy="306705"/>
+          </a:xfrm>
+          <a:prstGeom prst="rect">
+            <a:avLst/>
+          </a:prstGeom>
+          <a:noFill/>
+        </p:spPr>
+        <p:txBody>
+          <a:bodyPr wrap="none" rtlCol="0">
+            <a:spAutoFit/>
+          </a:bodyPr>
+          <a:p>
+            <a:r>
+              <a:rPr lang="" altLang="en-US" sz="1400"/>
+              <a:t>C</a:t>
+            </a:r>
+            <a:endParaRPr lang="" altLang="en-US" sz="1400"/>
+          </a:p>
+        </p:txBody>
+      </p:sp>
+      <p:sp>
+        <p:nvSpPr>
+          <p:cNvPr id="31" name="Text Box 30"/>
+          <p:cNvSpPr txBox="1"/>
+          <p:nvPr/>
+        </p:nvSpPr>
+        <p:spPr>
+          <a:xfrm>
+            <a:off x="641350" y="3119120"/>
+            <a:ext cx="311150" cy="306705"/>
+          </a:xfrm>
+          <a:prstGeom prst="rect">
+            <a:avLst/>
+          </a:prstGeom>
+          <a:noFill/>
+        </p:spPr>
+        <p:txBody>
+          <a:bodyPr wrap="none" rtlCol="0">
+            <a:spAutoFit/>
+          </a:bodyPr>
+          <a:p>
+            <a:r>
+              <a:rPr lang="" altLang="en-US" sz="1400"/>
+              <a:t>D</a:t>
+            </a:r>
+            <a:endParaRPr lang="" altLang="en-US" sz="1400"/>
+          </a:p>
+        </p:txBody>
+      </p:sp>
+      <p:sp>
+        <p:nvSpPr>
+          <p:cNvPr id="32" name="Text Box 31"/>
+          <p:cNvSpPr txBox="1"/>
+          <p:nvPr/>
+        </p:nvSpPr>
+        <p:spPr>
+          <a:xfrm>
+            <a:off x="2709545" y="3119120"/>
+            <a:ext cx="301625" cy="306705"/>
+          </a:xfrm>
+          <a:prstGeom prst="rect">
+            <a:avLst/>
+          </a:prstGeom>
+          <a:noFill/>
+        </p:spPr>
+        <p:txBody>
+          <a:bodyPr wrap="none" rtlCol="0">
+            <a:spAutoFit/>
+          </a:bodyPr>
+          <a:p>
+            <a:r>
+              <a:rPr lang="" altLang="en-US" sz="1400"/>
+              <a:t>E</a:t>
+            </a:r>
+            <a:endParaRPr lang="" altLang="en-US" sz="1400"/>
+          </a:p>
+        </p:txBody>
+      </p:sp>
+      <p:sp>
+        <p:nvSpPr>
+          <p:cNvPr id="33" name="Text Box 32"/>
+          <p:cNvSpPr txBox="1"/>
+          <p:nvPr/>
+        </p:nvSpPr>
+        <p:spPr>
+          <a:xfrm>
+            <a:off x="6240145" y="3119120"/>
+            <a:ext cx="291465" cy="306705"/>
+          </a:xfrm>
+          <a:prstGeom prst="rect">
+            <a:avLst/>
+          </a:prstGeom>
+          <a:noFill/>
+        </p:spPr>
+        <p:txBody>
+          <a:bodyPr wrap="none" rtlCol="0">
+            <a:spAutoFit/>
+          </a:bodyPr>
+          <a:p>
+            <a:r>
+              <a:rPr lang="" altLang="en-US" sz="1400"/>
+              <a:t>F</a:t>
+            </a:r>
+            <a:endParaRPr lang="" altLang="en-US" sz="1400"/>
+          </a:p>
+        </p:txBody>
+      </p:sp>
+    </p:spTree>
+  </p:cSld>
+  <p:clrMapOvr>
+    <a:masterClrMapping/>
+  </p:clrMapOvr>
+</p:sld>
+</file>
+
+<file path=ppt/slides/slide4.xml><?xml version="1.0" encoding="utf-8"?>
 <p:sld xmlns:a="http://schemas.openxmlformats.org/drawingml/2006/main" xmlns:r="http://schemas.openxmlformats.org/officeDocument/2006/relationships" xmlns:p="http://schemas.openxmlformats.org/presentationml/2006/main">
   <p:cSld>
     <p:spTree>
